--- a/workflow.pptx
+++ b/workflow.pptx
@@ -6,6 +6,7 @@
   </p:sldMasterIdLst>
   <p:sldIdLst>
     <p:sldId id="256" r:id="rId2"/>
+    <p:sldId id="257" r:id="rId3"/>
   </p:sldIdLst>
   <p:sldSz cx="12192000" cy="6858000"/>
   <p:notesSz cx="6858000" cy="9144000"/>
@@ -104,6 +105,11 @@
       </a:defRPr>
     </a:lvl9pPr>
   </p:defaultTextStyle>
+  <p:extLst>
+    <p:ext uri="{EFAFB233-063F-42B5-8137-9DF3F51BA10A}">
+      <p15:sldGuideLst xmlns:p15="http://schemas.microsoft.com/office/powerpoint/2012/main"/>
+    </p:ext>
+  </p:extLst>
 </p:presentation>
 </file>
 
@@ -262,7 +268,7 @@
           <a:p>
             <a:fld id="{390A167D-EF3F-1C42-A6AF-ADC2FE9A5FA9}" type="datetimeFigureOut">
               <a:rPr lang="it-IT" smtClean="0"/>
-              <a:t>10/12/21</a:t>
+              <a:t>18/04/2024</a:t>
             </a:fld>
             <a:endParaRPr lang="it-IT"/>
           </a:p>
@@ -316,7 +322,7 @@
           <a:p>
             <a:fld id="{5E706F34-6438-0C43-BF05-689F9CF9E8B6}" type="slidenum">
               <a:rPr lang="it-IT" smtClean="0"/>
-              <a:t>‹N›</a:t>
+              <a:t>‹#›</a:t>
             </a:fld>
             <a:endParaRPr lang="it-IT"/>
           </a:p>
@@ -460,7 +466,7 @@
           <a:p>
             <a:fld id="{390A167D-EF3F-1C42-A6AF-ADC2FE9A5FA9}" type="datetimeFigureOut">
               <a:rPr lang="it-IT" smtClean="0"/>
-              <a:t>10/12/21</a:t>
+              <a:t>18/04/2024</a:t>
             </a:fld>
             <a:endParaRPr lang="it-IT"/>
           </a:p>
@@ -514,7 +520,7 @@
           <a:p>
             <a:fld id="{5E706F34-6438-0C43-BF05-689F9CF9E8B6}" type="slidenum">
               <a:rPr lang="it-IT" smtClean="0"/>
-              <a:t>‹N›</a:t>
+              <a:t>‹#›</a:t>
             </a:fld>
             <a:endParaRPr lang="it-IT"/>
           </a:p>
@@ -668,7 +674,7 @@
           <a:p>
             <a:fld id="{390A167D-EF3F-1C42-A6AF-ADC2FE9A5FA9}" type="datetimeFigureOut">
               <a:rPr lang="it-IT" smtClean="0"/>
-              <a:t>10/12/21</a:t>
+              <a:t>18/04/2024</a:t>
             </a:fld>
             <a:endParaRPr lang="it-IT"/>
           </a:p>
@@ -722,7 +728,7 @@
           <a:p>
             <a:fld id="{5E706F34-6438-0C43-BF05-689F9CF9E8B6}" type="slidenum">
               <a:rPr lang="it-IT" smtClean="0"/>
-              <a:t>‹N›</a:t>
+              <a:t>‹#›</a:t>
             </a:fld>
             <a:endParaRPr lang="it-IT"/>
           </a:p>
@@ -866,7 +872,7 @@
           <a:p>
             <a:fld id="{390A167D-EF3F-1C42-A6AF-ADC2FE9A5FA9}" type="datetimeFigureOut">
               <a:rPr lang="it-IT" smtClean="0"/>
-              <a:t>10/12/21</a:t>
+              <a:t>18/04/2024</a:t>
             </a:fld>
             <a:endParaRPr lang="it-IT"/>
           </a:p>
@@ -920,7 +926,7 @@
           <a:p>
             <a:fld id="{5E706F34-6438-0C43-BF05-689F9CF9E8B6}" type="slidenum">
               <a:rPr lang="it-IT" smtClean="0"/>
-              <a:t>‹N›</a:t>
+              <a:t>‹#›</a:t>
             </a:fld>
             <a:endParaRPr lang="it-IT"/>
           </a:p>
@@ -1141,7 +1147,7 @@
           <a:p>
             <a:fld id="{390A167D-EF3F-1C42-A6AF-ADC2FE9A5FA9}" type="datetimeFigureOut">
               <a:rPr lang="it-IT" smtClean="0"/>
-              <a:t>10/12/21</a:t>
+              <a:t>18/04/2024</a:t>
             </a:fld>
             <a:endParaRPr lang="it-IT"/>
           </a:p>
@@ -1195,7 +1201,7 @@
           <a:p>
             <a:fld id="{5E706F34-6438-0C43-BF05-689F9CF9E8B6}" type="slidenum">
               <a:rPr lang="it-IT" smtClean="0"/>
-              <a:t>‹N›</a:t>
+              <a:t>‹#›</a:t>
             </a:fld>
             <a:endParaRPr lang="it-IT"/>
           </a:p>
@@ -1406,7 +1412,7 @@
           <a:p>
             <a:fld id="{390A167D-EF3F-1C42-A6AF-ADC2FE9A5FA9}" type="datetimeFigureOut">
               <a:rPr lang="it-IT" smtClean="0"/>
-              <a:t>10/12/21</a:t>
+              <a:t>18/04/2024</a:t>
             </a:fld>
             <a:endParaRPr lang="it-IT"/>
           </a:p>
@@ -1460,7 +1466,7 @@
           <a:p>
             <a:fld id="{5E706F34-6438-0C43-BF05-689F9CF9E8B6}" type="slidenum">
               <a:rPr lang="it-IT" smtClean="0"/>
-              <a:t>‹N›</a:t>
+              <a:t>‹#›</a:t>
             </a:fld>
             <a:endParaRPr lang="it-IT"/>
           </a:p>
@@ -1818,7 +1824,7 @@
           <a:p>
             <a:fld id="{390A167D-EF3F-1C42-A6AF-ADC2FE9A5FA9}" type="datetimeFigureOut">
               <a:rPr lang="it-IT" smtClean="0"/>
-              <a:t>10/12/21</a:t>
+              <a:t>18/04/2024</a:t>
             </a:fld>
             <a:endParaRPr lang="it-IT"/>
           </a:p>
@@ -1872,7 +1878,7 @@
           <a:p>
             <a:fld id="{5E706F34-6438-0C43-BF05-689F9CF9E8B6}" type="slidenum">
               <a:rPr lang="it-IT" smtClean="0"/>
-              <a:t>‹N›</a:t>
+              <a:t>‹#›</a:t>
             </a:fld>
             <a:endParaRPr lang="it-IT"/>
           </a:p>
@@ -1959,7 +1965,7 @@
           <a:p>
             <a:fld id="{390A167D-EF3F-1C42-A6AF-ADC2FE9A5FA9}" type="datetimeFigureOut">
               <a:rPr lang="it-IT" smtClean="0"/>
-              <a:t>10/12/21</a:t>
+              <a:t>18/04/2024</a:t>
             </a:fld>
             <a:endParaRPr lang="it-IT"/>
           </a:p>
@@ -2013,7 +2019,7 @@
           <a:p>
             <a:fld id="{5E706F34-6438-0C43-BF05-689F9CF9E8B6}" type="slidenum">
               <a:rPr lang="it-IT" smtClean="0"/>
-              <a:t>‹N›</a:t>
+              <a:t>‹#›</a:t>
             </a:fld>
             <a:endParaRPr lang="it-IT"/>
           </a:p>
@@ -2072,7 +2078,7 @@
           <a:p>
             <a:fld id="{390A167D-EF3F-1C42-A6AF-ADC2FE9A5FA9}" type="datetimeFigureOut">
               <a:rPr lang="it-IT" smtClean="0"/>
-              <a:t>10/12/21</a:t>
+              <a:t>18/04/2024</a:t>
             </a:fld>
             <a:endParaRPr lang="it-IT"/>
           </a:p>
@@ -2126,7 +2132,7 @@
           <a:p>
             <a:fld id="{5E706F34-6438-0C43-BF05-689F9CF9E8B6}" type="slidenum">
               <a:rPr lang="it-IT" smtClean="0"/>
-              <a:t>‹N›</a:t>
+              <a:t>‹#›</a:t>
             </a:fld>
             <a:endParaRPr lang="it-IT"/>
           </a:p>
@@ -2383,7 +2389,7 @@
           <a:p>
             <a:fld id="{390A167D-EF3F-1C42-A6AF-ADC2FE9A5FA9}" type="datetimeFigureOut">
               <a:rPr lang="it-IT" smtClean="0"/>
-              <a:t>10/12/21</a:t>
+              <a:t>18/04/2024</a:t>
             </a:fld>
             <a:endParaRPr lang="it-IT"/>
           </a:p>
@@ -2437,7 +2443,7 @@
           <a:p>
             <a:fld id="{5E706F34-6438-0C43-BF05-689F9CF9E8B6}" type="slidenum">
               <a:rPr lang="it-IT" smtClean="0"/>
-              <a:t>‹N›</a:t>
+              <a:t>‹#›</a:t>
             </a:fld>
             <a:endParaRPr lang="it-IT"/>
           </a:p>
@@ -2671,7 +2677,7 @@
           <a:p>
             <a:fld id="{390A167D-EF3F-1C42-A6AF-ADC2FE9A5FA9}" type="datetimeFigureOut">
               <a:rPr lang="it-IT" smtClean="0"/>
-              <a:t>10/12/21</a:t>
+              <a:t>18/04/2024</a:t>
             </a:fld>
             <a:endParaRPr lang="it-IT"/>
           </a:p>
@@ -2725,7 +2731,7 @@
           <a:p>
             <a:fld id="{5E706F34-6438-0C43-BF05-689F9CF9E8B6}" type="slidenum">
               <a:rPr lang="it-IT" smtClean="0"/>
-              <a:t>‹N›</a:t>
+              <a:t>‹#›</a:t>
             </a:fld>
             <a:endParaRPr lang="it-IT"/>
           </a:p>
@@ -2912,7 +2918,7 @@
           <a:p>
             <a:fld id="{390A167D-EF3F-1C42-A6AF-ADC2FE9A5FA9}" type="datetimeFigureOut">
               <a:rPr lang="it-IT" smtClean="0"/>
-              <a:t>10/12/21</a:t>
+              <a:t>18/04/2024</a:t>
             </a:fld>
             <a:endParaRPr lang="it-IT"/>
           </a:p>
@@ -3002,7 +3008,7 @@
           <a:p>
             <a:fld id="{5E706F34-6438-0C43-BF05-689F9CF9E8B6}" type="slidenum">
               <a:rPr lang="it-IT" smtClean="0"/>
-              <a:t>‹N›</a:t>
+              <a:t>‹#›</a:t>
             </a:fld>
             <a:endParaRPr lang="it-IT"/>
           </a:p>
@@ -4014,6 +4020,711 @@
 </p:sld>
 </file>
 
+<file path=ppt/slides/slide2.xml><?xml version="1.0" encoding="utf-8"?>
+<p:sld xmlns:a="http://schemas.openxmlformats.org/drawingml/2006/main" xmlns:r="http://schemas.openxmlformats.org/officeDocument/2006/relationships" xmlns:p="http://schemas.openxmlformats.org/presentationml/2006/main">
+  <p:cSld>
+    <p:spTree>
+      <p:nvGrpSpPr>
+        <p:cNvPr id="1" name=""/>
+        <p:cNvGrpSpPr/>
+        <p:nvPr/>
+      </p:nvGrpSpPr>
+      <p:grpSpPr>
+        <a:xfrm>
+          <a:off x="0" y="0"/>
+          <a:ext cx="0" cy="0"/>
+          <a:chOff x="0" y="0"/>
+          <a:chExt cx="0" cy="0"/>
+        </a:xfrm>
+      </p:grpSpPr>
+      <p:sp>
+        <p:nvSpPr>
+          <p:cNvPr id="4" name="CasellaDiTesto 3">
+            <a:extLst>
+              <a:ext uri="{FF2B5EF4-FFF2-40B4-BE49-F238E27FC236}">
+                <a16:creationId xmlns:a16="http://schemas.microsoft.com/office/drawing/2014/main" id="{2F532ED3-9D38-9446-AC9A-52F291EE7440}"/>
+              </a:ext>
+            </a:extLst>
+          </p:cNvPr>
+          <p:cNvSpPr txBox="1"/>
+          <p:nvPr/>
+        </p:nvSpPr>
+        <p:spPr>
+          <a:xfrm>
+            <a:off x="1730829" y="2215244"/>
+            <a:ext cx="5159828" cy="3603172"/>
+          </a:xfrm>
+          <a:prstGeom prst="rect">
+            <a:avLst/>
+          </a:prstGeom>
+          <a:solidFill>
+            <a:schemeClr val="accent4"/>
+          </a:solidFill>
+          <a:ln w="28575">
+            <a:solidFill>
+              <a:schemeClr val="tx1"/>
+            </a:solidFill>
+          </a:ln>
+        </p:spPr>
+        <p:txBody>
+          <a:bodyPr wrap="square" rtlCol="0">
+            <a:spAutoFit/>
+          </a:bodyPr>
+          <a:lstStyle/>
+          <a:p>
+            <a:endParaRPr lang="it-IT" dirty="0"/>
+          </a:p>
+        </p:txBody>
+      </p:sp>
+      <p:sp>
+        <p:nvSpPr>
+          <p:cNvPr id="5" name="CasellaDiTesto 4">
+            <a:extLst>
+              <a:ext uri="{FF2B5EF4-FFF2-40B4-BE49-F238E27FC236}">
+                <a16:creationId xmlns:a16="http://schemas.microsoft.com/office/drawing/2014/main" id="{B7FCF17D-5DFC-654D-B0DD-116D482B76FC}"/>
+              </a:ext>
+            </a:extLst>
+          </p:cNvPr>
+          <p:cNvSpPr txBox="1"/>
+          <p:nvPr/>
+        </p:nvSpPr>
+        <p:spPr>
+          <a:xfrm>
+            <a:off x="1730828" y="1845912"/>
+            <a:ext cx="2242457" cy="369332"/>
+          </a:xfrm>
+          <a:prstGeom prst="rect">
+            <a:avLst/>
+          </a:prstGeom>
+          <a:noFill/>
+        </p:spPr>
+        <p:txBody>
+          <a:bodyPr wrap="square" rtlCol="0">
+            <a:spAutoFit/>
+          </a:bodyPr>
+          <a:lstStyle/>
+          <a:p>
+            <a:r>
+              <a:rPr lang="it-IT" dirty="0">
+                <a:latin typeface="Book Antiqua" panose="02040602050305030304" pitchFamily="18" charset="0"/>
+              </a:rPr>
+              <a:t>Conversion </a:t>
+            </a:r>
+            <a:r>
+              <a:rPr lang="it-IT" dirty="0" err="1">
+                <a:latin typeface="Book Antiqua" panose="02040602050305030304" pitchFamily="18" charset="0"/>
+              </a:rPr>
+              <a:t>Module</a:t>
+            </a:r>
+            <a:endParaRPr lang="it-IT" dirty="0">
+              <a:latin typeface="Book Antiqua" panose="02040602050305030304" pitchFamily="18" charset="0"/>
+            </a:endParaRPr>
+          </a:p>
+        </p:txBody>
+      </p:sp>
+      <p:sp>
+        <p:nvSpPr>
+          <p:cNvPr id="6" name="CasellaDiTesto 5">
+            <a:extLst>
+              <a:ext uri="{FF2B5EF4-FFF2-40B4-BE49-F238E27FC236}">
+                <a16:creationId xmlns:a16="http://schemas.microsoft.com/office/drawing/2014/main" id="{8B9BDD79-51C0-6144-9050-93373A2FA6E1}"/>
+              </a:ext>
+            </a:extLst>
+          </p:cNvPr>
+          <p:cNvSpPr txBox="1"/>
+          <p:nvPr/>
+        </p:nvSpPr>
+        <p:spPr>
+          <a:xfrm>
+            <a:off x="3973285" y="595023"/>
+            <a:ext cx="2242457" cy="646331"/>
+          </a:xfrm>
+          <a:prstGeom prst="rect">
+            <a:avLst/>
+          </a:prstGeom>
+          <a:solidFill>
+            <a:schemeClr val="accent4">
+              <a:lumMod val="40000"/>
+              <a:lumOff val="60000"/>
+            </a:schemeClr>
+          </a:solidFill>
+          <a:ln>
+            <a:solidFill>
+              <a:schemeClr val="tx1"/>
+            </a:solidFill>
+          </a:ln>
+        </p:spPr>
+        <p:txBody>
+          <a:bodyPr wrap="square" rtlCol="0">
+            <a:spAutoFit/>
+          </a:bodyPr>
+          <a:lstStyle/>
+          <a:p>
+            <a:pPr algn="ctr"/>
+            <a:r>
+              <a:rPr lang="it-IT" dirty="0">
+                <a:latin typeface="Book Antiqua" panose="02040602050305030304" pitchFamily="18" charset="0"/>
+              </a:rPr>
+              <a:t>MIABIS </a:t>
+            </a:r>
+            <a:r>
+              <a:rPr lang="it-IT" dirty="0" err="1">
+                <a:latin typeface="Book Antiqua" panose="02040602050305030304" pitchFamily="18" charset="0"/>
+              </a:rPr>
+              <a:t>compliant</a:t>
+            </a:r>
+            <a:r>
+              <a:rPr lang="it-IT" dirty="0">
+                <a:latin typeface="Book Antiqua" panose="02040602050305030304" pitchFamily="18" charset="0"/>
+              </a:rPr>
+              <a:t> dataset</a:t>
+            </a:r>
+          </a:p>
+        </p:txBody>
+      </p:sp>
+      <p:cxnSp>
+        <p:nvCxnSpPr>
+          <p:cNvPr id="9" name="Connettore 2 8">
+            <a:extLst>
+              <a:ext uri="{FF2B5EF4-FFF2-40B4-BE49-F238E27FC236}">
+                <a16:creationId xmlns:a16="http://schemas.microsoft.com/office/drawing/2014/main" id="{D7CCFEE4-4E6E-054D-B9A4-9EBBFB599C14}"/>
+              </a:ext>
+            </a:extLst>
+          </p:cNvPr>
+          <p:cNvCxnSpPr>
+            <a:cxnSpLocks/>
+          </p:cNvCxnSpPr>
+          <p:nvPr/>
+        </p:nvCxnSpPr>
+        <p:spPr>
+          <a:xfrm>
+            <a:off x="5094513" y="1249621"/>
+            <a:ext cx="0" cy="2767209"/>
+          </a:xfrm>
+          <a:prstGeom prst="straightConnector1">
+            <a:avLst/>
+          </a:prstGeom>
+          <a:ln w="50800">
+            <a:solidFill>
+              <a:schemeClr val="tx1">
+                <a:lumMod val="50000"/>
+                <a:lumOff val="50000"/>
+              </a:schemeClr>
+            </a:solidFill>
+            <a:tailEnd type="triangle"/>
+          </a:ln>
+        </p:spPr>
+        <p:style>
+          <a:lnRef idx="1">
+            <a:schemeClr val="accent1"/>
+          </a:lnRef>
+          <a:fillRef idx="0">
+            <a:schemeClr val="accent1"/>
+          </a:fillRef>
+          <a:effectRef idx="0">
+            <a:schemeClr val="accent1"/>
+          </a:effectRef>
+          <a:fontRef idx="minor">
+            <a:schemeClr val="tx1"/>
+          </a:fontRef>
+        </p:style>
+      </p:cxnSp>
+      <p:sp>
+        <p:nvSpPr>
+          <p:cNvPr id="12" name="CasellaDiTesto 11">
+            <a:extLst>
+              <a:ext uri="{FF2B5EF4-FFF2-40B4-BE49-F238E27FC236}">
+                <a16:creationId xmlns:a16="http://schemas.microsoft.com/office/drawing/2014/main" id="{F2711273-6476-9145-81E7-F42598293058}"/>
+              </a:ext>
+            </a:extLst>
+          </p:cNvPr>
+          <p:cNvSpPr txBox="1"/>
+          <p:nvPr/>
+        </p:nvSpPr>
+        <p:spPr>
+          <a:xfrm>
+            <a:off x="3973284" y="2469705"/>
+            <a:ext cx="2242457" cy="369332"/>
+          </a:xfrm>
+          <a:prstGeom prst="rect">
+            <a:avLst/>
+          </a:prstGeom>
+          <a:solidFill>
+            <a:schemeClr val="bg2"/>
+          </a:solidFill>
+          <a:ln>
+            <a:solidFill>
+              <a:schemeClr val="tx1"/>
+            </a:solidFill>
+          </a:ln>
+        </p:spPr>
+        <p:txBody>
+          <a:bodyPr wrap="square" rtlCol="0">
+            <a:spAutoFit/>
+          </a:bodyPr>
+          <a:lstStyle/>
+          <a:p>
+            <a:pPr algn="ctr"/>
+            <a:r>
+              <a:rPr lang="it-IT" dirty="0" err="1">
+                <a:latin typeface="Book Antiqua" panose="02040602050305030304" pitchFamily="18" charset="0"/>
+              </a:rPr>
+              <a:t>validation</a:t>
+            </a:r>
+            <a:endParaRPr lang="it-IT" dirty="0">
+              <a:latin typeface="Book Antiqua" panose="02040602050305030304" pitchFamily="18" charset="0"/>
+            </a:endParaRPr>
+          </a:p>
+        </p:txBody>
+      </p:sp>
+      <p:sp>
+        <p:nvSpPr>
+          <p:cNvPr id="13" name="CasellaDiTesto 12">
+            <a:extLst>
+              <a:ext uri="{FF2B5EF4-FFF2-40B4-BE49-F238E27FC236}">
+                <a16:creationId xmlns:a16="http://schemas.microsoft.com/office/drawing/2014/main" id="{486155A4-3303-E744-9916-59BD3C625D65}"/>
+              </a:ext>
+            </a:extLst>
+          </p:cNvPr>
+          <p:cNvSpPr txBox="1"/>
+          <p:nvPr/>
+        </p:nvSpPr>
+        <p:spPr>
+          <a:xfrm>
+            <a:off x="3973283" y="3121309"/>
+            <a:ext cx="2242457" cy="369332"/>
+          </a:xfrm>
+          <a:prstGeom prst="rect">
+            <a:avLst/>
+          </a:prstGeom>
+          <a:solidFill>
+            <a:schemeClr val="bg2"/>
+          </a:solidFill>
+          <a:ln>
+            <a:solidFill>
+              <a:schemeClr val="tx1"/>
+            </a:solidFill>
+          </a:ln>
+        </p:spPr>
+        <p:txBody>
+          <a:bodyPr wrap="square" rtlCol="0">
+            <a:spAutoFit/>
+          </a:bodyPr>
+          <a:lstStyle/>
+          <a:p>
+            <a:pPr algn="ctr"/>
+            <a:r>
+              <a:rPr lang="it-IT" dirty="0" err="1">
+                <a:latin typeface="Book Antiqua" panose="02040602050305030304" pitchFamily="18" charset="0"/>
+              </a:rPr>
+              <a:t>normalization</a:t>
+            </a:r>
+            <a:endParaRPr lang="it-IT" dirty="0">
+              <a:latin typeface="Book Antiqua" panose="02040602050305030304" pitchFamily="18" charset="0"/>
+            </a:endParaRPr>
+          </a:p>
+        </p:txBody>
+      </p:sp>
+      <p:sp>
+        <p:nvSpPr>
+          <p:cNvPr id="14" name="CasellaDiTesto 13">
+            <a:extLst>
+              <a:ext uri="{FF2B5EF4-FFF2-40B4-BE49-F238E27FC236}">
+                <a16:creationId xmlns:a16="http://schemas.microsoft.com/office/drawing/2014/main" id="{9C53A2E8-EA19-7F46-AF89-D3B997A6F0B0}"/>
+              </a:ext>
+            </a:extLst>
+          </p:cNvPr>
+          <p:cNvSpPr txBox="1"/>
+          <p:nvPr/>
+        </p:nvSpPr>
+        <p:spPr>
+          <a:xfrm>
+            <a:off x="2068286" y="4102216"/>
+            <a:ext cx="4457744" cy="1271450"/>
+          </a:xfrm>
+          <a:prstGeom prst="rect">
+            <a:avLst/>
+          </a:prstGeom>
+          <a:solidFill>
+            <a:schemeClr val="bg2"/>
+          </a:solidFill>
+          <a:ln>
+            <a:solidFill>
+              <a:schemeClr val="tx1"/>
+            </a:solidFill>
+          </a:ln>
+        </p:spPr>
+        <p:txBody>
+          <a:bodyPr wrap="square" rtlCol="0">
+            <a:spAutoFit/>
+          </a:bodyPr>
+          <a:lstStyle/>
+          <a:p>
+            <a:pPr algn="ctr"/>
+            <a:endParaRPr lang="it-IT" dirty="0">
+              <a:latin typeface="Book Antiqua" panose="02040602050305030304" pitchFamily="18" charset="0"/>
+            </a:endParaRPr>
+          </a:p>
+        </p:txBody>
+      </p:sp>
+      <p:sp>
+        <p:nvSpPr>
+          <p:cNvPr id="15" name="CasellaDiTesto 14">
+            <a:extLst>
+              <a:ext uri="{FF2B5EF4-FFF2-40B4-BE49-F238E27FC236}">
+                <a16:creationId xmlns:a16="http://schemas.microsoft.com/office/drawing/2014/main" id="{1F6E7C03-1C57-434C-9816-69566881F6FE}"/>
+              </a:ext>
+            </a:extLst>
+          </p:cNvPr>
+          <p:cNvSpPr txBox="1"/>
+          <p:nvPr/>
+        </p:nvSpPr>
+        <p:spPr>
+          <a:xfrm>
+            <a:off x="2054701" y="3643237"/>
+            <a:ext cx="2242457" cy="369332"/>
+          </a:xfrm>
+          <a:prstGeom prst="rect">
+            <a:avLst/>
+          </a:prstGeom>
+          <a:noFill/>
+        </p:spPr>
+        <p:txBody>
+          <a:bodyPr wrap="square" rtlCol="0">
+            <a:spAutoFit/>
+          </a:bodyPr>
+          <a:lstStyle/>
+          <a:p>
+            <a:r>
+              <a:rPr lang="it-IT" dirty="0">
+                <a:latin typeface="Book Antiqua" panose="02040602050305030304" pitchFamily="18" charset="0"/>
+              </a:rPr>
+              <a:t>FHIR model</a:t>
+            </a:r>
+          </a:p>
+        </p:txBody>
+      </p:sp>
+      <p:sp>
+        <p:nvSpPr>
+          <p:cNvPr id="16" name="CasellaDiTesto 15">
+            <a:extLst>
+              <a:ext uri="{FF2B5EF4-FFF2-40B4-BE49-F238E27FC236}">
+                <a16:creationId xmlns:a16="http://schemas.microsoft.com/office/drawing/2014/main" id="{3EB156C0-5398-D44E-86CD-7F54D5DD60F3}"/>
+              </a:ext>
+            </a:extLst>
+          </p:cNvPr>
+          <p:cNvSpPr txBox="1"/>
+          <p:nvPr/>
+        </p:nvSpPr>
+        <p:spPr>
+          <a:xfrm>
+            <a:off x="2259305" y="4455816"/>
+            <a:ext cx="1638821" cy="523220"/>
+          </a:xfrm>
+          <a:prstGeom prst="rect">
+            <a:avLst/>
+          </a:prstGeom>
+          <a:solidFill>
+            <a:schemeClr val="bg2"/>
+          </a:solidFill>
+          <a:ln>
+            <a:solidFill>
+              <a:schemeClr val="tx1"/>
+            </a:solidFill>
+          </a:ln>
+        </p:spPr>
+        <p:txBody>
+          <a:bodyPr wrap="square" rtlCol="0">
+            <a:spAutoFit/>
+          </a:bodyPr>
+          <a:lstStyle/>
+          <a:p>
+            <a:pPr algn="ctr"/>
+            <a:r>
+              <a:rPr lang="it-IT" sz="1400" dirty="0" err="1">
+                <a:latin typeface="Book Antiqua" panose="02040602050305030304" pitchFamily="18" charset="0"/>
+              </a:rPr>
+              <a:t>Resources</a:t>
+            </a:r>
+            <a:r>
+              <a:rPr lang="it-IT" sz="1400" dirty="0">
+                <a:latin typeface="Book Antiqua" panose="02040602050305030304" pitchFamily="18" charset="0"/>
+              </a:rPr>
+              <a:t> (</a:t>
+            </a:r>
+            <a:r>
+              <a:rPr lang="it-IT" sz="1400" dirty="0" err="1">
+                <a:latin typeface="Book Antiqua" panose="02040602050305030304" pitchFamily="18" charset="0"/>
+              </a:rPr>
+              <a:t>Semantics</a:t>
+            </a:r>
+            <a:r>
+              <a:rPr lang="it-IT" sz="1400" dirty="0">
+                <a:latin typeface="Book Antiqua" panose="02040602050305030304" pitchFamily="18" charset="0"/>
+              </a:rPr>
+              <a:t>)</a:t>
+            </a:r>
+          </a:p>
+        </p:txBody>
+      </p:sp>
+      <p:sp>
+        <p:nvSpPr>
+          <p:cNvPr id="17" name="CasellaDiTesto 16">
+            <a:extLst>
+              <a:ext uri="{FF2B5EF4-FFF2-40B4-BE49-F238E27FC236}">
+                <a16:creationId xmlns:a16="http://schemas.microsoft.com/office/drawing/2014/main" id="{66A20B1F-4F78-244D-8FCF-259F393594C1}"/>
+              </a:ext>
+            </a:extLst>
+          </p:cNvPr>
+          <p:cNvSpPr txBox="1"/>
+          <p:nvPr/>
+        </p:nvSpPr>
+        <p:spPr>
+          <a:xfrm>
+            <a:off x="2068286" y="2584576"/>
+            <a:ext cx="1265722" cy="307777"/>
+          </a:xfrm>
+          <a:prstGeom prst="rect">
+            <a:avLst/>
+          </a:prstGeom>
+          <a:solidFill>
+            <a:schemeClr val="accent4">
+              <a:lumMod val="20000"/>
+              <a:lumOff val="80000"/>
+            </a:schemeClr>
+          </a:solidFill>
+          <a:ln>
+            <a:solidFill>
+              <a:schemeClr val="tx1"/>
+            </a:solidFill>
+          </a:ln>
+        </p:spPr>
+        <p:txBody>
+          <a:bodyPr wrap="square" rtlCol="0">
+            <a:spAutoFit/>
+          </a:bodyPr>
+          <a:lstStyle/>
+          <a:p>
+            <a:pPr algn="ctr"/>
+            <a:r>
+              <a:rPr lang="it-IT" sz="1400" dirty="0" err="1">
+                <a:latin typeface="Book Antiqua" panose="02040602050305030304" pitchFamily="18" charset="0"/>
+              </a:rPr>
+              <a:t>configuration</a:t>
+            </a:r>
+            <a:endParaRPr lang="it-IT" sz="1400" dirty="0">
+              <a:latin typeface="Book Antiqua" panose="02040602050305030304" pitchFamily="18" charset="0"/>
+            </a:endParaRPr>
+          </a:p>
+        </p:txBody>
+      </p:sp>
+      <p:sp>
+        <p:nvSpPr>
+          <p:cNvPr id="21" name="CasellaDiTesto 20">
+            <a:extLst>
+              <a:ext uri="{FF2B5EF4-FFF2-40B4-BE49-F238E27FC236}">
+                <a16:creationId xmlns:a16="http://schemas.microsoft.com/office/drawing/2014/main" id="{717CA66B-F177-FE43-B3FF-46DE5BBA4232}"/>
+              </a:ext>
+            </a:extLst>
+          </p:cNvPr>
+          <p:cNvSpPr txBox="1"/>
+          <p:nvPr/>
+        </p:nvSpPr>
+        <p:spPr>
+          <a:xfrm>
+            <a:off x="4164303" y="4456264"/>
+            <a:ext cx="1638822" cy="523220"/>
+          </a:xfrm>
+          <a:prstGeom prst="rect">
+            <a:avLst/>
+          </a:prstGeom>
+          <a:solidFill>
+            <a:schemeClr val="bg2"/>
+          </a:solidFill>
+          <a:ln>
+            <a:solidFill>
+              <a:schemeClr val="tx1"/>
+            </a:solidFill>
+          </a:ln>
+        </p:spPr>
+        <p:txBody>
+          <a:bodyPr wrap="square" rtlCol="0">
+            <a:spAutoFit/>
+          </a:bodyPr>
+          <a:lstStyle/>
+          <a:p>
+            <a:pPr algn="ctr"/>
+            <a:r>
+              <a:rPr lang="it-IT" sz="1400" dirty="0">
+                <a:latin typeface="Book Antiqua" panose="02040602050305030304" pitchFamily="18" charset="0"/>
+              </a:rPr>
+              <a:t>Input </a:t>
+            </a:r>
+            <a:r>
+              <a:rPr lang="it-IT" sz="1400" dirty="0" err="1">
+                <a:latin typeface="Book Antiqua" panose="02040602050305030304" pitchFamily="18" charset="0"/>
+              </a:rPr>
+              <a:t>models</a:t>
+            </a:r>
+            <a:r>
+              <a:rPr lang="it-IT" sz="1400" dirty="0">
+                <a:latin typeface="Book Antiqua" panose="02040602050305030304" pitchFamily="18" charset="0"/>
+              </a:rPr>
+              <a:t> (</a:t>
+            </a:r>
+            <a:r>
+              <a:rPr lang="it-IT" sz="1400" dirty="0" err="1">
+                <a:latin typeface="Book Antiqua" panose="02040602050305030304" pitchFamily="18" charset="0"/>
+              </a:rPr>
+              <a:t>possible</a:t>
+            </a:r>
+            <a:r>
+              <a:rPr lang="it-IT" sz="1400" dirty="0">
+                <a:latin typeface="Book Antiqua" panose="02040602050305030304" pitchFamily="18" charset="0"/>
+              </a:rPr>
+              <a:t> </a:t>
+            </a:r>
+            <a:r>
+              <a:rPr lang="it-IT" sz="1400" dirty="0" err="1">
+                <a:latin typeface="Book Antiqua" panose="02040602050305030304" pitchFamily="18" charset="0"/>
+              </a:rPr>
+              <a:t>values</a:t>
+            </a:r>
+            <a:r>
+              <a:rPr lang="it-IT" sz="1400" dirty="0">
+                <a:latin typeface="Book Antiqua" panose="02040602050305030304" pitchFamily="18" charset="0"/>
+              </a:rPr>
+              <a:t>)</a:t>
+            </a:r>
+          </a:p>
+        </p:txBody>
+      </p:sp>
+      <p:cxnSp>
+        <p:nvCxnSpPr>
+          <p:cNvPr id="22" name="Connettore 2 21">
+            <a:extLst>
+              <a:ext uri="{FF2B5EF4-FFF2-40B4-BE49-F238E27FC236}">
+                <a16:creationId xmlns:a16="http://schemas.microsoft.com/office/drawing/2014/main" id="{4A6C8A62-2B2E-6B41-AE9A-45E822D29ECF}"/>
+              </a:ext>
+            </a:extLst>
+          </p:cNvPr>
+          <p:cNvCxnSpPr>
+            <a:cxnSpLocks/>
+          </p:cNvCxnSpPr>
+          <p:nvPr/>
+        </p:nvCxnSpPr>
+        <p:spPr>
+          <a:xfrm>
+            <a:off x="5094957" y="5373666"/>
+            <a:ext cx="0" cy="988866"/>
+          </a:xfrm>
+          <a:prstGeom prst="straightConnector1">
+            <a:avLst/>
+          </a:prstGeom>
+          <a:ln w="50800">
+            <a:solidFill>
+              <a:schemeClr val="tx1">
+                <a:lumMod val="50000"/>
+                <a:lumOff val="50000"/>
+              </a:schemeClr>
+            </a:solidFill>
+            <a:tailEnd type="triangle"/>
+          </a:ln>
+        </p:spPr>
+        <p:style>
+          <a:lnRef idx="1">
+            <a:schemeClr val="accent1"/>
+          </a:lnRef>
+          <a:fillRef idx="0">
+            <a:schemeClr val="accent1"/>
+          </a:fillRef>
+          <a:effectRef idx="0">
+            <a:schemeClr val="accent1"/>
+          </a:effectRef>
+          <a:fontRef idx="minor">
+            <a:schemeClr val="tx1"/>
+          </a:fontRef>
+        </p:style>
+      </p:cxnSp>
+      <p:sp>
+        <p:nvSpPr>
+          <p:cNvPr id="24" name="CasellaDiTesto 23">
+            <a:extLst>
+              <a:ext uri="{FF2B5EF4-FFF2-40B4-BE49-F238E27FC236}">
+                <a16:creationId xmlns:a16="http://schemas.microsoft.com/office/drawing/2014/main" id="{68C2D0E3-EDC4-894C-AA81-7B8ED83CEE81}"/>
+              </a:ext>
+            </a:extLst>
+          </p:cNvPr>
+          <p:cNvSpPr txBox="1"/>
+          <p:nvPr/>
+        </p:nvSpPr>
+        <p:spPr>
+          <a:xfrm>
+            <a:off x="5404801" y="5939811"/>
+            <a:ext cx="2242457" cy="646331"/>
+          </a:xfrm>
+          <a:prstGeom prst="rect">
+            <a:avLst/>
+          </a:prstGeom>
+          <a:solidFill>
+            <a:srgbClr val="C00000"/>
+          </a:solidFill>
+          <a:ln>
+            <a:solidFill>
+              <a:schemeClr val="tx1"/>
+            </a:solidFill>
+          </a:ln>
+        </p:spPr>
+        <p:txBody>
+          <a:bodyPr wrap="square" rtlCol="0">
+            <a:spAutoFit/>
+          </a:bodyPr>
+          <a:lstStyle/>
+          <a:p>
+            <a:pPr algn="ctr"/>
+            <a:r>
+              <a:rPr lang="it-IT" b="1" dirty="0">
+                <a:solidFill>
+                  <a:schemeClr val="bg1"/>
+                </a:solidFill>
+                <a:latin typeface="Book Antiqua" panose="02040602050305030304" pitchFamily="18" charset="0"/>
+              </a:rPr>
+              <a:t>FHIR </a:t>
+            </a:r>
+            <a:r>
+              <a:rPr lang="it-IT" b="1" dirty="0" err="1">
+                <a:solidFill>
+                  <a:schemeClr val="bg1"/>
+                </a:solidFill>
+                <a:latin typeface="Book Antiqua" panose="02040602050305030304" pitchFamily="18" charset="0"/>
+              </a:rPr>
+              <a:t>compliant</a:t>
+            </a:r>
+            <a:r>
+              <a:rPr lang="it-IT" b="1" dirty="0">
+                <a:solidFill>
+                  <a:schemeClr val="bg1"/>
+                </a:solidFill>
+                <a:latin typeface="Book Antiqua" panose="02040602050305030304" pitchFamily="18" charset="0"/>
+              </a:rPr>
+              <a:t> JSON</a:t>
+            </a:r>
+          </a:p>
+        </p:txBody>
+      </p:sp>
+    </p:spTree>
+    <p:extLst>
+      <p:ext uri="{BB962C8B-B14F-4D97-AF65-F5344CB8AC3E}">
+        <p14:creationId xmlns:p14="http://schemas.microsoft.com/office/powerpoint/2010/main" val="1951620186"/>
+      </p:ext>
+    </p:extLst>
+  </p:cSld>
+  <p:clrMapOvr>
+    <a:masterClrMapping/>
+  </p:clrMapOvr>
+</p:sld>
+</file>
+
 <file path=ppt/theme/theme1.xml><?xml version="1.0" encoding="utf-8"?>
 <a:theme xmlns:a="http://schemas.openxmlformats.org/drawingml/2006/main" name="Tema di Office">
   <a:themeElements>

--- a/workflow.pptx
+++ b/workflow.pptx
@@ -6,7 +6,7 @@
   </p:sldMasterIdLst>
   <p:sldIdLst>
     <p:sldId id="256" r:id="rId2"/>
-    <p:sldId id="257" r:id="rId3"/>
+    <p:sldId id="258" r:id="rId3"/>
   </p:sldIdLst>
   <p:sldSz cx="12192000" cy="6858000"/>
   <p:notesSz cx="6858000" cy="9144000"/>
@@ -268,7 +268,7 @@
           <a:p>
             <a:fld id="{390A167D-EF3F-1C42-A6AF-ADC2FE9A5FA9}" type="datetimeFigureOut">
               <a:rPr lang="it-IT" smtClean="0"/>
-              <a:t>18/04/2024</a:t>
+              <a:t>04/07/2024</a:t>
             </a:fld>
             <a:endParaRPr lang="it-IT"/>
           </a:p>
@@ -466,7 +466,7 @@
           <a:p>
             <a:fld id="{390A167D-EF3F-1C42-A6AF-ADC2FE9A5FA9}" type="datetimeFigureOut">
               <a:rPr lang="it-IT" smtClean="0"/>
-              <a:t>18/04/2024</a:t>
+              <a:t>04/07/2024</a:t>
             </a:fld>
             <a:endParaRPr lang="it-IT"/>
           </a:p>
@@ -674,7 +674,7 @@
           <a:p>
             <a:fld id="{390A167D-EF3F-1C42-A6AF-ADC2FE9A5FA9}" type="datetimeFigureOut">
               <a:rPr lang="it-IT" smtClean="0"/>
-              <a:t>18/04/2024</a:t>
+              <a:t>04/07/2024</a:t>
             </a:fld>
             <a:endParaRPr lang="it-IT"/>
           </a:p>
@@ -872,7 +872,7 @@
           <a:p>
             <a:fld id="{390A167D-EF3F-1C42-A6AF-ADC2FE9A5FA9}" type="datetimeFigureOut">
               <a:rPr lang="it-IT" smtClean="0"/>
-              <a:t>18/04/2024</a:t>
+              <a:t>04/07/2024</a:t>
             </a:fld>
             <a:endParaRPr lang="it-IT"/>
           </a:p>
@@ -1147,7 +1147,7 @@
           <a:p>
             <a:fld id="{390A167D-EF3F-1C42-A6AF-ADC2FE9A5FA9}" type="datetimeFigureOut">
               <a:rPr lang="it-IT" smtClean="0"/>
-              <a:t>18/04/2024</a:t>
+              <a:t>04/07/2024</a:t>
             </a:fld>
             <a:endParaRPr lang="it-IT"/>
           </a:p>
@@ -1412,7 +1412,7 @@
           <a:p>
             <a:fld id="{390A167D-EF3F-1C42-A6AF-ADC2FE9A5FA9}" type="datetimeFigureOut">
               <a:rPr lang="it-IT" smtClean="0"/>
-              <a:t>18/04/2024</a:t>
+              <a:t>04/07/2024</a:t>
             </a:fld>
             <a:endParaRPr lang="it-IT"/>
           </a:p>
@@ -1824,7 +1824,7 @@
           <a:p>
             <a:fld id="{390A167D-EF3F-1C42-A6AF-ADC2FE9A5FA9}" type="datetimeFigureOut">
               <a:rPr lang="it-IT" smtClean="0"/>
-              <a:t>18/04/2024</a:t>
+              <a:t>04/07/2024</a:t>
             </a:fld>
             <a:endParaRPr lang="it-IT"/>
           </a:p>
@@ -1965,7 +1965,7 @@
           <a:p>
             <a:fld id="{390A167D-EF3F-1C42-A6AF-ADC2FE9A5FA9}" type="datetimeFigureOut">
               <a:rPr lang="it-IT" smtClean="0"/>
-              <a:t>18/04/2024</a:t>
+              <a:t>04/07/2024</a:t>
             </a:fld>
             <a:endParaRPr lang="it-IT"/>
           </a:p>
@@ -2078,7 +2078,7 @@
           <a:p>
             <a:fld id="{390A167D-EF3F-1C42-A6AF-ADC2FE9A5FA9}" type="datetimeFigureOut">
               <a:rPr lang="it-IT" smtClean="0"/>
-              <a:t>18/04/2024</a:t>
+              <a:t>04/07/2024</a:t>
             </a:fld>
             <a:endParaRPr lang="it-IT"/>
           </a:p>
@@ -2389,7 +2389,7 @@
           <a:p>
             <a:fld id="{390A167D-EF3F-1C42-A6AF-ADC2FE9A5FA9}" type="datetimeFigureOut">
               <a:rPr lang="it-IT" smtClean="0"/>
-              <a:t>18/04/2024</a:t>
+              <a:t>04/07/2024</a:t>
             </a:fld>
             <a:endParaRPr lang="it-IT"/>
           </a:p>
@@ -2677,7 +2677,7 @@
           <a:p>
             <a:fld id="{390A167D-EF3F-1C42-A6AF-ADC2FE9A5FA9}" type="datetimeFigureOut">
               <a:rPr lang="it-IT" smtClean="0"/>
-              <a:t>18/04/2024</a:t>
+              <a:t>04/07/2024</a:t>
             </a:fld>
             <a:endParaRPr lang="it-IT"/>
           </a:p>
@@ -2918,7 +2918,7 @@
           <a:p>
             <a:fld id="{390A167D-EF3F-1C42-A6AF-ADC2FE9A5FA9}" type="datetimeFigureOut">
               <a:rPr lang="it-IT" smtClean="0"/>
-              <a:t>18/04/2024</a:t>
+              <a:t>04/07/2024</a:t>
             </a:fld>
             <a:endParaRPr lang="it-IT"/>
           </a:p>
@@ -4058,12 +4058,10 @@
             <a:avLst/>
           </a:prstGeom>
           <a:solidFill>
-            <a:schemeClr val="accent4"/>
+            <a:schemeClr val="accent2"/>
           </a:solidFill>
           <a:ln w="28575">
-            <a:solidFill>
-              <a:schemeClr val="tx1"/>
-            </a:solidFill>
+            <a:noFill/>
           </a:ln>
         </p:spPr>
         <p:txBody>
@@ -4165,19 +4163,16 @@
               <a:rPr lang="it-IT" dirty="0">
                 <a:latin typeface="Book Antiqua" panose="02040602050305030304" pitchFamily="18" charset="0"/>
               </a:rPr>
-              <a:t>MIABIS </a:t>
-            </a:r>
-            <a:r>
-              <a:rPr lang="it-IT" dirty="0" err="1">
-                <a:latin typeface="Book Antiqua" panose="02040602050305030304" pitchFamily="18" charset="0"/>
-              </a:rPr>
-              <a:t>compliant</a:t>
-            </a:r>
+              <a:t>INPUT</a:t>
+            </a:r>
+          </a:p>
+          <a:p>
+            <a:pPr algn="ctr"/>
             <a:r>
               <a:rPr lang="it-IT" dirty="0">
                 <a:latin typeface="Book Antiqua" panose="02040602050305030304" pitchFamily="18" charset="0"/>
               </a:rPr>
-              <a:t> dataset</a:t>
+              <a:t>Dataset XLSX</a:t>
             </a:r>
           </a:p>
         </p:txBody>
@@ -4715,7 +4710,7 @@
     </p:spTree>
     <p:extLst>
       <p:ext uri="{BB962C8B-B14F-4D97-AF65-F5344CB8AC3E}">
-        <p14:creationId xmlns:p14="http://schemas.microsoft.com/office/powerpoint/2010/main" val="1951620186"/>
+        <p14:creationId xmlns:p14="http://schemas.microsoft.com/office/powerpoint/2010/main" val="442849180"/>
       </p:ext>
     </p:extLst>
   </p:cSld>
